--- a/modules/MgmntBagLimits/CE_BagLimitsReductions.pptx
+++ b/modules/MgmntBagLimits/CE_BagLimitsReductions.pptx
@@ -21,7 +21,7 @@
     <p:sldId id="293" r:id="rId12"/>
   </p:sldIdLst>
   <p:sldSz cx="9144000" cy="6858000" type="screen4x3"/>
-  <p:notesSz cx="6858000" cy="9144000"/>
+  <p:notesSz cx="7023100" cy="9309100"/>
   <p:defaultTextStyle>
     <a:defPPr>
       <a:defRPr lang="en-US"/>
@@ -201,14 +201,14 @@
         <p:spPr>
           <a:xfrm>
             <a:off x="0" y="0"/>
-            <a:ext cx="2971800" cy="457200"/>
+            <a:ext cx="3043343" cy="465455"/>
           </a:xfrm>
           <a:prstGeom prst="rect">
             <a:avLst/>
           </a:prstGeom>
         </p:spPr>
         <p:txBody>
-          <a:bodyPr vert="horz" lIns="91440" tIns="45720" rIns="91440" bIns="45720" rtlCol="0"/>
+          <a:bodyPr vert="horz" lIns="93324" tIns="46662" rIns="93324" bIns="46662" rtlCol="0"/>
           <a:lstStyle>
             <a:lvl1pPr algn="l">
               <a:defRPr sz="1200"/>
@@ -234,15 +234,15 @@
         </p:nvSpPr>
         <p:spPr>
           <a:xfrm>
-            <a:off x="3884613" y="0"/>
-            <a:ext cx="2971800" cy="457200"/>
+            <a:off x="3978132" y="0"/>
+            <a:ext cx="3043343" cy="465455"/>
           </a:xfrm>
           <a:prstGeom prst="rect">
             <a:avLst/>
           </a:prstGeom>
         </p:spPr>
         <p:txBody>
-          <a:bodyPr vert="horz" lIns="91440" tIns="45720" rIns="91440" bIns="45720" rtlCol="0"/>
+          <a:bodyPr vert="horz" lIns="93324" tIns="46662" rIns="93324" bIns="46662" rtlCol="0"/>
           <a:lstStyle>
             <a:lvl1pPr algn="r">
               <a:defRPr sz="1200"/>
@@ -257,7 +257,7 @@
               <a:pPr>
                 <a:defRPr/>
               </a:pPr>
-              <a:t>3/13/2016</a:t>
+              <a:t>3/17/2016</a:t>
             </a:fld>
             <a:endParaRPr lang="en-US"/>
           </a:p>
@@ -275,8 +275,8 @@
         </p:nvSpPr>
         <p:spPr>
           <a:xfrm>
-            <a:off x="1143000" y="685800"/>
-            <a:ext cx="4572000" cy="3429000"/>
+            <a:off x="1184275" y="698500"/>
+            <a:ext cx="4654550" cy="3490913"/>
           </a:xfrm>
           <a:prstGeom prst="rect">
             <a:avLst/>
@@ -289,7 +289,7 @@
           </a:ln>
         </p:spPr>
         <p:txBody>
-          <a:bodyPr vert="horz" lIns="91440" tIns="45720" rIns="91440" bIns="45720" rtlCol="0" anchor="ctr"/>
+          <a:bodyPr vert="horz" lIns="93324" tIns="46662" rIns="93324" bIns="46662" rtlCol="0" anchor="ctr"/>
           <a:lstStyle/>
           <a:p>
             <a:pPr lvl="0"/>
@@ -309,15 +309,15 @@
         </p:nvSpPr>
         <p:spPr>
           <a:xfrm>
-            <a:off x="685800" y="4343400"/>
-            <a:ext cx="5486400" cy="4114800"/>
+            <a:off x="702310" y="4421823"/>
+            <a:ext cx="5618480" cy="4189095"/>
           </a:xfrm>
           <a:prstGeom prst="rect">
             <a:avLst/>
           </a:prstGeom>
         </p:spPr>
         <p:txBody>
-          <a:bodyPr vert="horz" lIns="91440" tIns="45720" rIns="91440" bIns="45720" rtlCol="0">
+          <a:bodyPr vert="horz" lIns="93324" tIns="46662" rIns="93324" bIns="46662" rtlCol="0">
             <a:normAutofit/>
           </a:bodyPr>
           <a:lstStyle/>
@@ -370,15 +370,15 @@
         </p:nvSpPr>
         <p:spPr>
           <a:xfrm>
-            <a:off x="0" y="8685213"/>
-            <a:ext cx="2971800" cy="457200"/>
+            <a:off x="0" y="8842029"/>
+            <a:ext cx="3043343" cy="465455"/>
           </a:xfrm>
           <a:prstGeom prst="rect">
             <a:avLst/>
           </a:prstGeom>
         </p:spPr>
         <p:txBody>
-          <a:bodyPr vert="horz" lIns="91440" tIns="45720" rIns="91440" bIns="45720" rtlCol="0" anchor="b"/>
+          <a:bodyPr vert="horz" lIns="93324" tIns="46662" rIns="93324" bIns="46662" rtlCol="0" anchor="b"/>
           <a:lstStyle>
             <a:lvl1pPr algn="l">
               <a:defRPr sz="1200"/>
@@ -404,15 +404,15 @@
         </p:nvSpPr>
         <p:spPr>
           <a:xfrm>
-            <a:off x="3884613" y="8685213"/>
-            <a:ext cx="2971800" cy="457200"/>
+            <a:off x="3978132" y="8842029"/>
+            <a:ext cx="3043343" cy="465455"/>
           </a:xfrm>
           <a:prstGeom prst="rect">
             <a:avLst/>
           </a:prstGeom>
         </p:spPr>
         <p:txBody>
-          <a:bodyPr vert="horz" lIns="91440" tIns="45720" rIns="91440" bIns="45720" rtlCol="0" anchor="b"/>
+          <a:bodyPr vert="horz" lIns="93324" tIns="46662" rIns="93324" bIns="46662" rtlCol="0" anchor="b"/>
           <a:lstStyle>
             <a:lvl1pPr algn="r">
               <a:defRPr sz="1200"/>
@@ -705,7 +705,7 @@
                 <a:latin typeface="Arial" charset="0"/>
               </a:defRPr>
             </a:lvl1pPr>
-            <a:lvl2pPr marL="742950" indent="-285750" eaLnBrk="0" hangingPunct="0">
+            <a:lvl2pPr marL="758255" indent="-291636" eaLnBrk="0" hangingPunct="0">
               <a:defRPr>
                 <a:solidFill>
                   <a:schemeClr val="tx1"/>
@@ -713,7 +713,7 @@
                 <a:latin typeface="Arial" charset="0"/>
               </a:defRPr>
             </a:lvl2pPr>
-            <a:lvl3pPr marL="1143000" indent="-228600" eaLnBrk="0" hangingPunct="0">
+            <a:lvl3pPr marL="1166546" indent="-233309" eaLnBrk="0" hangingPunct="0">
               <a:defRPr>
                 <a:solidFill>
                   <a:schemeClr val="tx1"/>
@@ -721,7 +721,7 @@
                 <a:latin typeface="Arial" charset="0"/>
               </a:defRPr>
             </a:lvl3pPr>
-            <a:lvl4pPr marL="1600200" indent="-228600" eaLnBrk="0" hangingPunct="0">
+            <a:lvl4pPr marL="1633164" indent="-233309" eaLnBrk="0" hangingPunct="0">
               <a:defRPr>
                 <a:solidFill>
                   <a:schemeClr val="tx1"/>
@@ -729,7 +729,7 @@
                 <a:latin typeface="Arial" charset="0"/>
               </a:defRPr>
             </a:lvl4pPr>
-            <a:lvl5pPr marL="2057400" indent="-228600" eaLnBrk="0" hangingPunct="0">
+            <a:lvl5pPr marL="2099782" indent="-233309" eaLnBrk="0" hangingPunct="0">
               <a:defRPr>
                 <a:solidFill>
                   <a:schemeClr val="tx1"/>
@@ -737,7 +737,7 @@
                 <a:latin typeface="Arial" charset="0"/>
               </a:defRPr>
             </a:lvl5pPr>
-            <a:lvl6pPr marL="2514600" indent="-228600" eaLnBrk="0" fontAlgn="base" hangingPunct="0">
+            <a:lvl6pPr marL="2566401" indent="-233309" eaLnBrk="0" fontAlgn="base" hangingPunct="0">
               <a:spcBef>
                 <a:spcPct val="0"/>
               </a:spcBef>
@@ -751,7 +751,7 @@
                 <a:latin typeface="Arial" charset="0"/>
               </a:defRPr>
             </a:lvl6pPr>
-            <a:lvl7pPr marL="2971800" indent="-228600" eaLnBrk="0" fontAlgn="base" hangingPunct="0">
+            <a:lvl7pPr marL="3033019" indent="-233309" eaLnBrk="0" fontAlgn="base" hangingPunct="0">
               <a:spcBef>
                 <a:spcPct val="0"/>
               </a:spcBef>
@@ -765,7 +765,7 @@
                 <a:latin typeface="Arial" charset="0"/>
               </a:defRPr>
             </a:lvl7pPr>
-            <a:lvl8pPr marL="3429000" indent="-228600" eaLnBrk="0" fontAlgn="base" hangingPunct="0">
+            <a:lvl8pPr marL="3499637" indent="-233309" eaLnBrk="0" fontAlgn="base" hangingPunct="0">
               <a:spcBef>
                 <a:spcPct val="0"/>
               </a:spcBef>
@@ -779,7 +779,7 @@
                 <a:latin typeface="Arial" charset="0"/>
               </a:defRPr>
             </a:lvl8pPr>
-            <a:lvl9pPr marL="3886200" indent="-228600" eaLnBrk="0" fontAlgn="base" hangingPunct="0">
+            <a:lvl9pPr marL="3966256" indent="-233309" eaLnBrk="0" fontAlgn="base" hangingPunct="0">
               <a:spcBef>
                 <a:spcPct val="0"/>
               </a:spcBef>
@@ -4760,11 +4760,7 @@
             </a:r>
             <a:r>
               <a:rPr lang="en-US" sz="2800" smtClean="0"/>
-              <a:t>plot </a:t>
-            </a:r>
-            <a:r>
-              <a:rPr lang="en-US" sz="2800" smtClean="0"/>
-              <a:t>affect </a:t>
+              <a:t>plot affect </a:t>
             </a:r>
             <a:r>
               <a:rPr lang="en-US" sz="2800" dirty="0" smtClean="0"/>
@@ -5550,7 +5546,19 @@
           <a:p>
             <a:r>
               <a:rPr lang="en-US" dirty="0" smtClean="0"/>
-              <a:t>What would you expect harvest frequency to look like, if …</a:t>
+              <a:t>What would you expect harvest frequency to look </a:t>
+            </a:r>
+            <a:r>
+              <a:rPr lang="en-US" dirty="0" smtClean="0"/>
+              <a:t>like (suppose 10 </a:t>
+            </a:r>
+            <a:r>
+              <a:rPr lang="en-US" smtClean="0"/>
+              <a:t>bag limit), </a:t>
+            </a:r>
+            <a:r>
+              <a:rPr lang="en-US" dirty="0" smtClean="0"/>
+              <a:t>if …</a:t>
             </a:r>
           </a:p>
           <a:p>
